--- a/trunk/iw3/doc/search.pptx
+++ b/trunk/iw3/doc/search.pptx
@@ -9,7 +9,7 @@
     <p:sldId id="257" r:id="rId3"/>
   </p:sldIdLst>
   <p:sldSz cx="9144000" cy="6858000" type="screen4x3"/>
-  <p:notesSz cx="6858000" cy="9144000"/>
+  <p:notesSz cx="7010400" cy="9296400"/>
   <p:defaultTextStyle>
     <a:defPPr>
       <a:defRPr lang="en-US"/>
@@ -290,7 +290,7 @@
             <a:fld id="{1D8BD707-D9CF-40AE-B4C6-C98DA3205C09}" type="datetimeFigureOut">
               <a:rPr lang="en-US" smtClean="0"/>
               <a:pPr/>
-              <a:t>9/3/2009</a:t>
+              <a:t>9/10/2009</a:t>
             </a:fld>
             <a:endParaRPr lang="en-US"/>
           </a:p>
@@ -457,7 +457,7 @@
             <a:fld id="{1D8BD707-D9CF-40AE-B4C6-C98DA3205C09}" type="datetimeFigureOut">
               <a:rPr lang="en-US" smtClean="0"/>
               <a:pPr/>
-              <a:t>9/3/2009</a:t>
+              <a:t>9/10/2009</a:t>
             </a:fld>
             <a:endParaRPr lang="en-US"/>
           </a:p>
@@ -634,7 +634,7 @@
             <a:fld id="{1D8BD707-D9CF-40AE-B4C6-C98DA3205C09}" type="datetimeFigureOut">
               <a:rPr lang="en-US" smtClean="0"/>
               <a:pPr/>
-              <a:t>9/3/2009</a:t>
+              <a:t>9/10/2009</a:t>
             </a:fld>
             <a:endParaRPr lang="en-US"/>
           </a:p>
@@ -801,7 +801,7 @@
             <a:fld id="{1D8BD707-D9CF-40AE-B4C6-C98DA3205C09}" type="datetimeFigureOut">
               <a:rPr lang="en-US" smtClean="0"/>
               <a:pPr/>
-              <a:t>9/3/2009</a:t>
+              <a:t>9/10/2009</a:t>
             </a:fld>
             <a:endParaRPr lang="en-US"/>
           </a:p>
@@ -1044,7 +1044,7 @@
             <a:fld id="{1D8BD707-D9CF-40AE-B4C6-C98DA3205C09}" type="datetimeFigureOut">
               <a:rPr lang="en-US" smtClean="0"/>
               <a:pPr/>
-              <a:t>9/3/2009</a:t>
+              <a:t>9/10/2009</a:t>
             </a:fld>
             <a:endParaRPr lang="en-US"/>
           </a:p>
@@ -1329,7 +1329,7 @@
             <a:fld id="{1D8BD707-D9CF-40AE-B4C6-C98DA3205C09}" type="datetimeFigureOut">
               <a:rPr lang="en-US" smtClean="0"/>
               <a:pPr/>
-              <a:t>9/3/2009</a:t>
+              <a:t>9/10/2009</a:t>
             </a:fld>
             <a:endParaRPr lang="en-US"/>
           </a:p>
@@ -1748,7 +1748,7 @@
             <a:fld id="{1D8BD707-D9CF-40AE-B4C6-C98DA3205C09}" type="datetimeFigureOut">
               <a:rPr lang="en-US" smtClean="0"/>
               <a:pPr/>
-              <a:t>9/3/2009</a:t>
+              <a:t>9/10/2009</a:t>
             </a:fld>
             <a:endParaRPr lang="en-US"/>
           </a:p>
@@ -1863,7 +1863,7 @@
             <a:fld id="{1D8BD707-D9CF-40AE-B4C6-C98DA3205C09}" type="datetimeFigureOut">
               <a:rPr lang="en-US" smtClean="0"/>
               <a:pPr/>
-              <a:t>9/3/2009</a:t>
+              <a:t>9/10/2009</a:t>
             </a:fld>
             <a:endParaRPr lang="en-US"/>
           </a:p>
@@ -1955,7 +1955,7 @@
             <a:fld id="{1D8BD707-D9CF-40AE-B4C6-C98DA3205C09}" type="datetimeFigureOut">
               <a:rPr lang="en-US" smtClean="0"/>
               <a:pPr/>
-              <a:t>9/3/2009</a:t>
+              <a:t>9/10/2009</a:t>
             </a:fld>
             <a:endParaRPr lang="en-US"/>
           </a:p>
@@ -2229,7 +2229,7 @@
             <a:fld id="{1D8BD707-D9CF-40AE-B4C6-C98DA3205C09}" type="datetimeFigureOut">
               <a:rPr lang="en-US" smtClean="0"/>
               <a:pPr/>
-              <a:t>9/3/2009</a:t>
+              <a:t>9/10/2009</a:t>
             </a:fld>
             <a:endParaRPr lang="en-US"/>
           </a:p>
@@ -2479,7 +2479,7 @@
             <a:fld id="{1D8BD707-D9CF-40AE-B4C6-C98DA3205C09}" type="datetimeFigureOut">
               <a:rPr lang="en-US" smtClean="0"/>
               <a:pPr/>
-              <a:t>9/3/2009</a:t>
+              <a:t>9/10/2009</a:t>
             </a:fld>
             <a:endParaRPr lang="en-US"/>
           </a:p>
@@ -2689,7 +2689,7 @@
             <a:fld id="{1D8BD707-D9CF-40AE-B4C6-C98DA3205C09}" type="datetimeFigureOut">
               <a:rPr lang="en-US" smtClean="0"/>
               <a:pPr/>
-              <a:t>9/3/2009</a:t>
+              <a:t>9/10/2009</a:t>
             </a:fld>
             <a:endParaRPr lang="en-US"/>
           </a:p>
@@ -3205,11 +3205,7 @@
           <a:p>
             <a:r>
               <a:rPr lang="en-US" dirty="0" smtClean="0"/>
-              <a:t>Web Search </a:t>
-            </a:r>
-            <a:r>
-              <a:rPr lang="en-US" dirty="0" smtClean="0"/>
-              <a:t>Interface /  Auto-completion Interface</a:t>
+              <a:t>Web Search Interface /  Auto-completion Interface</a:t>
             </a:r>
           </a:p>
           <a:p>
@@ -3387,7 +3383,6 @@
               <a:rPr lang="en-US" dirty="0" smtClean="0"/>
               <a:t> WS)</a:t>
             </a:r>
-            <a:endParaRPr lang="en-US" dirty="0" smtClean="0"/>
           </a:p>
         </p:txBody>
       </p:sp>
@@ -3429,11 +3424,15 @@
             </a:r>
             <a:r>
               <a:rPr lang="en-US" sz="1400" dirty="0" err="1" smtClean="0"/>
-              <a:t>regx</a:t>
+              <a:t>regex</a:t>
             </a:r>
             <a:r>
               <a:rPr lang="en-US" sz="1400" dirty="0" smtClean="0"/>
-              <a:t> expression)</a:t>
+              <a:t> </a:t>
+            </a:r>
+            <a:r>
+              <a:rPr lang="en-US" sz="1400" dirty="0" smtClean="0"/>
+              <a:t>expression)</a:t>
             </a:r>
           </a:p>
           <a:p>
@@ -3451,11 +3450,7 @@
             </a:r>
             <a:r>
               <a:rPr lang="en-US" sz="1400" dirty="0" smtClean="0"/>
-              <a:t> available on the </a:t>
-            </a:r>
-            <a:r>
-              <a:rPr lang="en-US" sz="1400" dirty="0" smtClean="0"/>
-              <a:t>web</a:t>
+              <a:t> available on the web</a:t>
             </a:r>
           </a:p>
           <a:p>
@@ -3473,11 +3468,7 @@
             </a:r>
             <a:r>
               <a:rPr lang="en-US" sz="1400" dirty="0" smtClean="0"/>
-              <a:t> that </a:t>
-            </a:r>
-            <a:r>
-              <a:rPr lang="en-US" sz="1400" dirty="0" smtClean="0"/>
-              <a:t>has “</a:t>
+              <a:t> that has “</a:t>
             </a:r>
             <a:r>
               <a:rPr lang="en-US" sz="1400" dirty="0" err="1" smtClean="0"/>
@@ -3524,11 +3515,7 @@
           <a:p>
             <a:r>
               <a:rPr lang="en-US" sz="1600" dirty="0" smtClean="0"/>
-              <a:t>PML </a:t>
-            </a:r>
-            <a:r>
-              <a:rPr lang="en-US" sz="1600" dirty="0" smtClean="0"/>
-              <a:t>item Metadata</a:t>
+              <a:t>PML item Metadata</a:t>
             </a:r>
           </a:p>
           <a:p>
@@ -3623,7 +3610,6 @@
               <a:rPr lang="en-US" dirty="0" smtClean="0"/>
               <a:t>User Query -&gt; SPARQL Query</a:t>
             </a:r>
-            <a:endParaRPr lang="en-US" dirty="0" smtClean="0"/>
           </a:p>
         </p:txBody>
       </p:sp>
@@ -3676,7 +3662,6 @@
               <a:rPr lang="en-US" dirty="0" smtClean="0"/>
               <a:t>gen metadata</a:t>
             </a:r>
-            <a:endParaRPr lang="en-US" dirty="0" smtClean="0"/>
           </a:p>
         </p:txBody>
       </p:sp>
@@ -3992,7 +3977,6 @@
               <a:rPr lang="en-US" dirty="0" smtClean="0"/>
               <a:t>crawl</a:t>
             </a:r>
-            <a:endParaRPr lang="en-US" dirty="0" smtClean="0"/>
           </a:p>
         </p:txBody>
       </p:sp>
